--- a/xmind/VIB_Part4.pptx
+++ b/xmind/VIB_Part4.pptx
@@ -5,7 +5,7 @@
     <p:sldMasterId id="2147483662" r:id="rId1"/>
   </p:sldMasterIdLst>
   <p:notesMasterIdLst>
-    <p:notesMasterId r:id="rId24"/>
+    <p:notesMasterId r:id="rId25"/>
   </p:notesMasterIdLst>
   <p:sldIdLst>
     <p:sldId id="256" r:id="rId2"/>
@@ -27,9 +27,10 @@
     <p:sldId id="312" r:id="rId18"/>
     <p:sldId id="313" r:id="rId19"/>
     <p:sldId id="314" r:id="rId20"/>
-    <p:sldId id="315" r:id="rId21"/>
-    <p:sldId id="295" r:id="rId22"/>
-    <p:sldId id="264" r:id="rId23"/>
+    <p:sldId id="316" r:id="rId21"/>
+    <p:sldId id="315" r:id="rId22"/>
+    <p:sldId id="295" r:id="rId23"/>
+    <p:sldId id="264" r:id="rId24"/>
   </p:sldIdLst>
   <p:sldSz cx="9144000" cy="6858000" type="screen4x3"/>
   <p:notesSz cx="6858000" cy="9144000"/>
@@ -3381,8 +3382,8 @@
     <dgm:cxn modelId="{124707A4-0B71-4C6A-B485-B4EAE760A637}" srcId="{98B56EA5-F140-4B9C-84CB-D697DD2374D3}" destId="{F00FF8A4-C82A-4901-A24B-118B591E33B3}" srcOrd="0" destOrd="0" parTransId="{8F66488A-3703-435F-95CC-DC09FF360149}" sibTransId="{B057E16F-871B-42BE-A4F8-E2DFEB6FDEAA}"/>
     <dgm:cxn modelId="{0F69C683-084C-451E-8387-14B75BA2DF82}" type="presOf" srcId="{A189F83F-0BA4-4712-A01E-98239DB6D83F}" destId="{2BC25E8C-57BE-4205-96B8-D520BF9B9E9B}" srcOrd="0" destOrd="0" presId="urn:microsoft.com/office/officeart/2005/8/layout/chevron2"/>
     <dgm:cxn modelId="{FDAC08B8-CE5A-4527-B5B2-5711293CCE06}" srcId="{B1BF15A8-97B2-457B-A975-3502DBD36C4C}" destId="{6BF1B87D-71F0-44B6-B144-C8B4095CA653}" srcOrd="0" destOrd="0" parTransId="{6C075F2C-DAE3-43DE-ACB5-9FDBCFF09B22}" sibTransId="{994523CB-49C4-46E4-A05E-85CCD4489CB6}"/>
+    <dgm:cxn modelId="{3493C4AB-99E1-442C-A739-1C20D828B853}" type="presOf" srcId="{155EBA6F-6C86-432F-81DF-DDCFEE2D3CB2}" destId="{63FC4A64-626A-4521-A106-E1F8DF21FED9}" srcOrd="0" destOrd="0" presId="urn:microsoft.com/office/officeart/2005/8/layout/chevron2"/>
     <dgm:cxn modelId="{A9468076-A47D-46CD-A077-88080FC79038}" type="presOf" srcId="{144DD4A0-F145-482C-85E4-F1B4C517D427}" destId="{4CF64321-1F4E-4ECB-91EF-26FB9FA5D709}" srcOrd="0" destOrd="0" presId="urn:microsoft.com/office/officeart/2005/8/layout/chevron2"/>
-    <dgm:cxn modelId="{3493C4AB-99E1-442C-A739-1C20D828B853}" type="presOf" srcId="{155EBA6F-6C86-432F-81DF-DDCFEE2D3CB2}" destId="{63FC4A64-626A-4521-A106-E1F8DF21FED9}" srcOrd="0" destOrd="0" presId="urn:microsoft.com/office/officeart/2005/8/layout/chevron2"/>
     <dgm:cxn modelId="{C7E045B8-F67B-4CC0-B3A4-F00E8224763A}" type="presOf" srcId="{F00FF8A4-C82A-4901-A24B-118B591E33B3}" destId="{B07357FA-3AD7-45B2-873C-F7411ABE1AB7}" srcOrd="0" destOrd="0" presId="urn:microsoft.com/office/officeart/2005/8/layout/chevron2"/>
     <dgm:cxn modelId="{904B7100-513C-415C-9A7F-6F8FBA72C839}" srcId="{155EBA6F-6C86-432F-81DF-DDCFEE2D3CB2}" destId="{A189F83F-0BA4-4712-A01E-98239DB6D83F}" srcOrd="0" destOrd="0" parTransId="{916BF5CB-4154-4DCF-B1E7-D2C74C5A11B3}" sibTransId="{7A7C3CF4-0CA5-4FB1-BB6E-1521C467D454}"/>
     <dgm:cxn modelId="{BFD62C71-8161-4EB3-AE46-E05E6C1D7EBF}" type="presOf" srcId="{98B56EA5-F140-4B9C-84CB-D697DD2374D3}" destId="{85899FEB-BB36-41EB-AF15-7B75F1268C5B}" srcOrd="0" destOrd="0" presId="urn:microsoft.com/office/officeart/2005/8/layout/chevron2"/>
@@ -3625,6 +3626,13 @@
         </dgm:presLayoutVars>
       </dgm:prSet>
       <dgm:spPr/>
+      <dgm:t>
+        <a:bodyPr/>
+        <a:lstStyle/>
+        <a:p>
+          <a:endParaRPr lang="en-US"/>
+        </a:p>
+      </dgm:t>
     </dgm:pt>
     <dgm:pt modelId="{F9165610-F97B-4A9D-A12D-BEF9EB976B58}" type="pres">
       <dgm:prSet presAssocID="{A38E975C-CC34-4348-AE1E-06BE54463CEC}" presName="linNode" presStyleCnt="0"/>
@@ -3638,6 +3646,13 @@
         </dgm:presLayoutVars>
       </dgm:prSet>
       <dgm:spPr/>
+      <dgm:t>
+        <a:bodyPr/>
+        <a:lstStyle/>
+        <a:p>
+          <a:endParaRPr lang="en-US"/>
+        </a:p>
+      </dgm:t>
     </dgm:pt>
     <dgm:pt modelId="{58D679B9-B69B-4FC7-B007-07A1887BBB52}" type="pres">
       <dgm:prSet presAssocID="{723E1FBB-8CC5-4135-BB47-F1AD1C35835F}" presName="sp" presStyleCnt="0"/>
@@ -3655,6 +3670,13 @@
         </dgm:presLayoutVars>
       </dgm:prSet>
       <dgm:spPr/>
+      <dgm:t>
+        <a:bodyPr/>
+        <a:lstStyle/>
+        <a:p>
+          <a:endParaRPr lang="en-US"/>
+        </a:p>
+      </dgm:t>
     </dgm:pt>
     <dgm:pt modelId="{345AA395-E86F-404A-8064-ABCCE295DD06}" type="pres">
       <dgm:prSet presAssocID="{B603E461-2AA6-4F39-9126-1F77E64BC3CC}" presName="sp" presStyleCnt="0"/>
@@ -3672,6 +3694,13 @@
         </dgm:presLayoutVars>
       </dgm:prSet>
       <dgm:spPr/>
+      <dgm:t>
+        <a:bodyPr/>
+        <a:lstStyle/>
+        <a:p>
+          <a:endParaRPr lang="en-US"/>
+        </a:p>
+      </dgm:t>
     </dgm:pt>
     <dgm:pt modelId="{5C990A95-380F-4D8E-AF76-CC28315685D6}" type="pres">
       <dgm:prSet presAssocID="{5A6934B0-3B73-41C9-BC09-A6D3D3F25FD9}" presName="sp" presStyleCnt="0"/>
@@ -3689,6 +3718,13 @@
         </dgm:presLayoutVars>
       </dgm:prSet>
       <dgm:spPr/>
+      <dgm:t>
+        <a:bodyPr/>
+        <a:lstStyle/>
+        <a:p>
+          <a:endParaRPr lang="en-US"/>
+        </a:p>
+      </dgm:t>
     </dgm:pt>
     <dgm:pt modelId="{BD9E4D83-4EC1-4056-94D4-BE51B5779A30}" type="pres">
       <dgm:prSet presAssocID="{B2840016-37E4-4D1E-89A8-315E8C643708}" presName="sp" presStyleCnt="0"/>
@@ -3706,20 +3742,27 @@
         </dgm:presLayoutVars>
       </dgm:prSet>
       <dgm:spPr/>
+      <dgm:t>
+        <a:bodyPr/>
+        <a:lstStyle/>
+        <a:p>
+          <a:endParaRPr lang="en-US"/>
+        </a:p>
+      </dgm:t>
     </dgm:pt>
   </dgm:ptLst>
   <dgm:cxnLst>
+    <dgm:cxn modelId="{CB2DB785-003E-4186-A4BF-6D3185721600}" type="presOf" srcId="{D42B550D-E4F0-4BE1-B075-BCC8FF18FD40}" destId="{E4DB4946-BCFA-4771-B9C3-B78556C1D94A}" srcOrd="0" destOrd="0" presId="urn:microsoft.com/office/officeart/2005/8/layout/vList5"/>
+    <dgm:cxn modelId="{CBBE25FE-2DE8-4DD6-9DEB-A7528EB70025}" type="presOf" srcId="{3AAE3270-3CAA-490D-B2CB-87C123C92AEC}" destId="{F999CB4C-96DF-4903-88E5-541C135495BB}" srcOrd="0" destOrd="0" presId="urn:microsoft.com/office/officeart/2005/8/layout/vList5"/>
+    <dgm:cxn modelId="{FC0DA698-A4AC-4608-AE29-494196B27AB8}" srcId="{4916AFD9-F41B-4DBA-9167-BBEFBE6751B2}" destId="{3AAE3270-3CAA-490D-B2CB-87C123C92AEC}" srcOrd="1" destOrd="0" parTransId="{5898CC8B-ACBE-4CD5-AA17-93E597CD2CFB}" sibTransId="{B603E461-2AA6-4F39-9126-1F77E64BC3CC}"/>
+    <dgm:cxn modelId="{E77E2F1E-EB16-4512-AB0A-BFF75B787B27}" srcId="{4916AFD9-F41B-4DBA-9167-BBEFBE6751B2}" destId="{C646C43F-1023-4354-B395-C5CF385D54F7}" srcOrd="4" destOrd="0" parTransId="{24CE77BF-D147-437A-BB04-511A931804DD}" sibTransId="{435FB965-04CD-4DE5-8A6D-10AE7E4CDFA3}"/>
+    <dgm:cxn modelId="{C01B579B-DFB7-40A5-AF1B-9A74CB800ADE}" srcId="{4916AFD9-F41B-4DBA-9167-BBEFBE6751B2}" destId="{7A60DAF3-4AB5-4E18-8654-FF392A230181}" srcOrd="2" destOrd="0" parTransId="{255D3112-776C-4BB6-A805-A38A81A61D12}" sibTransId="{5A6934B0-3B73-41C9-BC09-A6D3D3F25FD9}"/>
+    <dgm:cxn modelId="{544BD95C-9232-4B4E-9FA8-DD60CDCBCEA3}" type="presOf" srcId="{7A60DAF3-4AB5-4E18-8654-FF392A230181}" destId="{BFE22081-5A6F-45D1-83CB-CA705A7ECB3C}" srcOrd="0" destOrd="0" presId="urn:microsoft.com/office/officeart/2005/8/layout/vList5"/>
+    <dgm:cxn modelId="{A2FDC863-4A39-400E-A4E5-C686EC38DFDE}" type="presOf" srcId="{A38E975C-CC34-4348-AE1E-06BE54463CEC}" destId="{44D254FF-EBED-4EA8-91BD-3654603E9921}" srcOrd="0" destOrd="0" presId="urn:microsoft.com/office/officeart/2005/8/layout/vList5"/>
+    <dgm:cxn modelId="{B578035C-41F3-4758-B7A8-405780438D42}" type="presOf" srcId="{4916AFD9-F41B-4DBA-9167-BBEFBE6751B2}" destId="{A20133B2-7EBB-43B4-8CB4-384EFEE1584E}" srcOrd="0" destOrd="0" presId="urn:microsoft.com/office/officeart/2005/8/layout/vList5"/>
     <dgm:cxn modelId="{C1E9D44B-BABF-47DC-B666-4C2785D214D3}" type="presOf" srcId="{C646C43F-1023-4354-B395-C5CF385D54F7}" destId="{3F45F55E-EB9E-4786-84F4-860FEE799138}" srcOrd="0" destOrd="0" presId="urn:microsoft.com/office/officeart/2005/8/layout/vList5"/>
-    <dgm:cxn modelId="{C01B579B-DFB7-40A5-AF1B-9A74CB800ADE}" srcId="{4916AFD9-F41B-4DBA-9167-BBEFBE6751B2}" destId="{7A60DAF3-4AB5-4E18-8654-FF392A230181}" srcOrd="2" destOrd="0" parTransId="{255D3112-776C-4BB6-A805-A38A81A61D12}" sibTransId="{5A6934B0-3B73-41C9-BC09-A6D3D3F25FD9}"/>
-    <dgm:cxn modelId="{CBBE25FE-2DE8-4DD6-9DEB-A7528EB70025}" type="presOf" srcId="{3AAE3270-3CAA-490D-B2CB-87C123C92AEC}" destId="{F999CB4C-96DF-4903-88E5-541C135495BB}" srcOrd="0" destOrd="0" presId="urn:microsoft.com/office/officeart/2005/8/layout/vList5"/>
-    <dgm:cxn modelId="{544BD95C-9232-4B4E-9FA8-DD60CDCBCEA3}" type="presOf" srcId="{7A60DAF3-4AB5-4E18-8654-FF392A230181}" destId="{BFE22081-5A6F-45D1-83CB-CA705A7ECB3C}" srcOrd="0" destOrd="0" presId="urn:microsoft.com/office/officeart/2005/8/layout/vList5"/>
+    <dgm:cxn modelId="{7AF613BF-FEB9-422C-8051-9D17F1625767}" srcId="{4916AFD9-F41B-4DBA-9167-BBEFBE6751B2}" destId="{D42B550D-E4F0-4BE1-B075-BCC8FF18FD40}" srcOrd="3" destOrd="0" parTransId="{88DA9949-9B95-4418-BAE2-A42C9DB051EB}" sibTransId="{B2840016-37E4-4D1E-89A8-315E8C643708}"/>
     <dgm:cxn modelId="{2271D00F-7E2D-4D2B-AD0C-B5037DF92CD4}" srcId="{4916AFD9-F41B-4DBA-9167-BBEFBE6751B2}" destId="{A38E975C-CC34-4348-AE1E-06BE54463CEC}" srcOrd="0" destOrd="0" parTransId="{22A1CABF-9C52-4811-BB88-0DFC9818FFCB}" sibTransId="{723E1FBB-8CC5-4135-BB47-F1AD1C35835F}"/>
-    <dgm:cxn modelId="{7AF613BF-FEB9-422C-8051-9D17F1625767}" srcId="{4916AFD9-F41B-4DBA-9167-BBEFBE6751B2}" destId="{D42B550D-E4F0-4BE1-B075-BCC8FF18FD40}" srcOrd="3" destOrd="0" parTransId="{88DA9949-9B95-4418-BAE2-A42C9DB051EB}" sibTransId="{B2840016-37E4-4D1E-89A8-315E8C643708}"/>
-    <dgm:cxn modelId="{FC0DA698-A4AC-4608-AE29-494196B27AB8}" srcId="{4916AFD9-F41B-4DBA-9167-BBEFBE6751B2}" destId="{3AAE3270-3CAA-490D-B2CB-87C123C92AEC}" srcOrd="1" destOrd="0" parTransId="{5898CC8B-ACBE-4CD5-AA17-93E597CD2CFB}" sibTransId="{B603E461-2AA6-4F39-9126-1F77E64BC3CC}"/>
-    <dgm:cxn modelId="{A2FDC863-4A39-400E-A4E5-C686EC38DFDE}" type="presOf" srcId="{A38E975C-CC34-4348-AE1E-06BE54463CEC}" destId="{44D254FF-EBED-4EA8-91BD-3654603E9921}" srcOrd="0" destOrd="0" presId="urn:microsoft.com/office/officeart/2005/8/layout/vList5"/>
-    <dgm:cxn modelId="{CB2DB785-003E-4186-A4BF-6D3185721600}" type="presOf" srcId="{D42B550D-E4F0-4BE1-B075-BCC8FF18FD40}" destId="{E4DB4946-BCFA-4771-B9C3-B78556C1D94A}" srcOrd="0" destOrd="0" presId="urn:microsoft.com/office/officeart/2005/8/layout/vList5"/>
-    <dgm:cxn modelId="{E77E2F1E-EB16-4512-AB0A-BFF75B787B27}" srcId="{4916AFD9-F41B-4DBA-9167-BBEFBE6751B2}" destId="{C646C43F-1023-4354-B395-C5CF385D54F7}" srcOrd="4" destOrd="0" parTransId="{24CE77BF-D147-437A-BB04-511A931804DD}" sibTransId="{435FB965-04CD-4DE5-8A6D-10AE7E4CDFA3}"/>
-    <dgm:cxn modelId="{B578035C-41F3-4758-B7A8-405780438D42}" type="presOf" srcId="{4916AFD9-F41B-4DBA-9167-BBEFBE6751B2}" destId="{A20133B2-7EBB-43B4-8CB4-384EFEE1584E}" srcOrd="0" destOrd="0" presId="urn:microsoft.com/office/officeart/2005/8/layout/vList5"/>
     <dgm:cxn modelId="{0CBC4EFA-0BD0-4733-9305-4DCC448F339C}" type="presParOf" srcId="{A20133B2-7EBB-43B4-8CB4-384EFEE1584E}" destId="{F9165610-F97B-4A9D-A12D-BEF9EB976B58}" srcOrd="0" destOrd="0" presId="urn:microsoft.com/office/officeart/2005/8/layout/vList5"/>
     <dgm:cxn modelId="{E9463F3D-619D-4022-97CB-A90F52B96D66}" type="presParOf" srcId="{F9165610-F97B-4A9D-A12D-BEF9EB976B58}" destId="{44D254FF-EBED-4EA8-91BD-3654603E9921}" srcOrd="0" destOrd="0" presId="urn:microsoft.com/office/officeart/2005/8/layout/vList5"/>
     <dgm:cxn modelId="{B1786385-98D2-449B-A965-EF48F078ADCE}" type="presParOf" srcId="{A20133B2-7EBB-43B4-8CB4-384EFEE1584E}" destId="{58D679B9-B69B-4FC7-B007-07A1887BBB52}" srcOrd="1" destOrd="0" presId="urn:microsoft.com/office/officeart/2005/8/layout/vList5"/>
@@ -3957,6 +4000,13 @@
         </dgm:presLayoutVars>
       </dgm:prSet>
       <dgm:spPr/>
+      <dgm:t>
+        <a:bodyPr/>
+        <a:lstStyle/>
+        <a:p>
+          <a:endParaRPr lang="en-US"/>
+        </a:p>
+      </dgm:t>
     </dgm:pt>
     <dgm:pt modelId="{09C0DEB2-6C15-4A7D-91EC-AF5EE6AB3A52}" type="pres">
       <dgm:prSet presAssocID="{6D6C22EB-5FF0-49D6-8EF3-D529996CB456}" presName="parentText" presStyleLbl="node1" presStyleIdx="0" presStyleCnt="5">
@@ -3966,6 +4016,13 @@
         </dgm:presLayoutVars>
       </dgm:prSet>
       <dgm:spPr/>
+      <dgm:t>
+        <a:bodyPr/>
+        <a:lstStyle/>
+        <a:p>
+          <a:endParaRPr lang="en-US"/>
+        </a:p>
+      </dgm:t>
     </dgm:pt>
     <dgm:pt modelId="{2D27AB5E-4DB2-4C56-AEC0-DCEDCE5D88C9}" type="pres">
       <dgm:prSet presAssocID="{9F5D1496-4C74-41A5-9759-A21CD7BCE3EE}" presName="spacer" presStyleCnt="0"/>
@@ -3979,6 +4036,13 @@
         </dgm:presLayoutVars>
       </dgm:prSet>
       <dgm:spPr/>
+      <dgm:t>
+        <a:bodyPr/>
+        <a:lstStyle/>
+        <a:p>
+          <a:endParaRPr lang="en-US"/>
+        </a:p>
+      </dgm:t>
     </dgm:pt>
     <dgm:pt modelId="{78A30BCD-42B3-45BF-83B5-EC1C28B500CD}" type="pres">
       <dgm:prSet presAssocID="{FEB8D19A-B7B1-4A73-BB3F-FCACD4EC93ED}" presName="spacer" presStyleCnt="0"/>
@@ -3992,6 +4056,13 @@
         </dgm:presLayoutVars>
       </dgm:prSet>
       <dgm:spPr/>
+      <dgm:t>
+        <a:bodyPr/>
+        <a:lstStyle/>
+        <a:p>
+          <a:endParaRPr lang="en-US"/>
+        </a:p>
+      </dgm:t>
     </dgm:pt>
     <dgm:pt modelId="{F87AB2D0-09F1-406C-954C-694ED627D31C}" type="pres">
       <dgm:prSet presAssocID="{CE9B80A6-D976-45F4-A1DE-753F098EACDE}" presName="spacer" presStyleCnt="0"/>
@@ -4005,6 +4076,13 @@
         </dgm:presLayoutVars>
       </dgm:prSet>
       <dgm:spPr/>
+      <dgm:t>
+        <a:bodyPr/>
+        <a:lstStyle/>
+        <a:p>
+          <a:endParaRPr lang="en-US"/>
+        </a:p>
+      </dgm:t>
     </dgm:pt>
     <dgm:pt modelId="{08B17004-A5BE-427F-9003-0995D2D8419A}" type="pres">
       <dgm:prSet presAssocID="{0B6C0D7C-521D-4961-BC53-8D649A8B9B7D}" presName="spacer" presStyleCnt="0"/>
@@ -4018,6 +4096,13 @@
         </dgm:presLayoutVars>
       </dgm:prSet>
       <dgm:spPr/>
+      <dgm:t>
+        <a:bodyPr/>
+        <a:lstStyle/>
+        <a:p>
+          <a:endParaRPr lang="en-US"/>
+        </a:p>
+      </dgm:t>
     </dgm:pt>
   </dgm:ptLst>
   <dgm:cxnLst>
@@ -9314,7 +9399,7 @@
           <a:p>
             <a:fld id="{D646A940-0B55-4A74-A322-77202D9E85AF}" type="datetimeFigureOut">
               <a:rPr lang="en-US" smtClean="0"/>
-              <a:t>7/21/2015</a:t>
+              <a:t>7/22/2015</a:t>
             </a:fld>
             <a:endParaRPr lang="en-US"/>
           </a:p>
@@ -9670,7 +9755,7 @@
                   <a:spcPct val="0"/>
                 </a:spcAft>
               </a:pPr>
-              <a:t>21</a:t>
+              <a:t>22</a:t>
             </a:fld>
             <a:endParaRPr lang="en-US" dirty="0">
               <a:solidFill>
@@ -10127,7 +10212,7 @@
           <a:p>
             <a:fld id="{DE232201-B8D7-452C-8AB1-80042270467A}" type="datetimeFigureOut">
               <a:rPr lang="en-US" smtClean="0"/>
-              <a:t>7/21/2015</a:t>
+              <a:t>7/22/2015</a:t>
             </a:fld>
             <a:endParaRPr lang="en-US"/>
           </a:p>
@@ -10428,7 +10513,7 @@
           <a:p>
             <a:fld id="{DE232201-B8D7-452C-8AB1-80042270467A}" type="datetimeFigureOut">
               <a:rPr lang="en-US" smtClean="0"/>
-              <a:t>7/21/2015</a:t>
+              <a:t>7/22/2015</a:t>
             </a:fld>
             <a:endParaRPr lang="en-US"/>
           </a:p>
@@ -10570,7 +10655,7 @@
           <a:p>
             <a:fld id="{DE232201-B8D7-452C-8AB1-80042270467A}" type="datetimeFigureOut">
               <a:rPr lang="en-US" smtClean="0"/>
-              <a:t>7/21/2015</a:t>
+              <a:t>7/22/2015</a:t>
             </a:fld>
             <a:endParaRPr lang="en-US"/>
           </a:p>
@@ -10682,7 +10767,7 @@
           <a:p>
             <a:fld id="{DE232201-B8D7-452C-8AB1-80042270467A}" type="datetimeFigureOut">
               <a:rPr lang="en-US" smtClean="0"/>
-              <a:t>7/21/2015</a:t>
+              <a:t>7/22/2015</a:t>
             </a:fld>
             <a:endParaRPr lang="en-US"/>
           </a:p>
@@ -10987,7 +11072,7 @@
           <a:p>
             <a:fld id="{DE232201-B8D7-452C-8AB1-80042270467A}" type="datetimeFigureOut">
               <a:rPr lang="en-US" smtClean="0"/>
-              <a:t>7/21/2015</a:t>
+              <a:t>7/22/2015</a:t>
             </a:fld>
             <a:endParaRPr lang="en-US"/>
           </a:p>
@@ -11449,7 +11534,7 @@
           <a:p>
             <a:fld id="{DE232201-B8D7-452C-8AB1-80042270467A}" type="datetimeFigureOut">
               <a:rPr lang="en-US" smtClean="0"/>
-              <a:t>7/21/2015</a:t>
+              <a:t>7/22/2015</a:t>
             </a:fld>
             <a:endParaRPr lang="en-US"/>
           </a:p>
@@ -11723,7 +11808,7 @@
           <a:p>
             <a:fld id="{DE232201-B8D7-452C-8AB1-80042270467A}" type="datetimeFigureOut">
               <a:rPr lang="en-US" smtClean="0"/>
-              <a:t>7/21/2015</a:t>
+              <a:t>7/22/2015</a:t>
             </a:fld>
             <a:endParaRPr lang="en-US"/>
           </a:p>
@@ -12043,7 +12128,7 @@
           <a:p>
             <a:fld id="{DE232201-B8D7-452C-8AB1-80042270467A}" type="datetimeFigureOut">
               <a:rPr lang="en-US" smtClean="0"/>
-              <a:t>7/21/2015</a:t>
+              <a:t>7/22/2015</a:t>
             </a:fld>
             <a:endParaRPr lang="en-US"/>
           </a:p>
@@ -12500,11 +12585,7 @@
             </a:br>
             <a:r>
               <a:rPr lang="en-US" dirty="0" smtClean="0"/>
-              <a:t>Web </a:t>
-            </a:r>
-            <a:r>
-              <a:rPr lang="en-US" dirty="0" smtClean="0"/>
-              <a:t>Framework &amp; Cryptography</a:t>
+              <a:t>Web Framework &amp; Cryptography</a:t>
             </a:r>
             <a:endParaRPr lang="en-US" dirty="0"/>
           </a:p>
@@ -13697,7 +13778,7 @@
         <p:spPr>
           <a:xfrm>
             <a:off x="449263" y="1598613"/>
-            <a:ext cx="8229600" cy="892552"/>
+            <a:ext cx="8229600" cy="2369880"/>
           </a:xfrm>
         </p:spPr>
         <p:txBody>
@@ -13706,8 +13787,31 @@
           <a:p>
             <a:r>
               <a:rPr lang="en-US" dirty="0" smtClean="0"/>
-              <a:t>Not separate character ( | )</a:t>
-            </a:r>
+              <a:t>Not separate character ( | </a:t>
+            </a:r>
+            <a:r>
+              <a:rPr lang="en-US" dirty="0" smtClean="0"/>
+              <a:t>)</a:t>
+            </a:r>
+          </a:p>
+          <a:p>
+            <a:pPr lvl="1"/>
+            <a:r>
+              <a:rPr lang="en-US" dirty="0" smtClean="0"/>
+              <a:t>Focus string generate to make signature</a:t>
+            </a:r>
+          </a:p>
+          <a:p>
+            <a:pPr lvl="1"/>
+            <a:r>
+              <a:rPr lang="en-US" dirty="0" smtClean="0"/>
+              <a:t>Must use </a:t>
+            </a:r>
+            <a:r>
+              <a:rPr lang="en-US" dirty="0"/>
+              <a:t>separate character </a:t>
+            </a:r>
+            <a:endParaRPr lang="en-US" dirty="0" smtClean="0"/>
           </a:p>
           <a:p>
             <a:r>
@@ -13718,7 +13822,31 @@
               <a:rPr lang="en-US" dirty="0">
                 <a:sym typeface="Wingdings" panose="05000000000000000000" pitchFamily="2" charset="2"/>
               </a:rPr>
-              <a:t> length-extension attack</a:t>
+              <a:t> length-extension </a:t>
+            </a:r>
+            <a:r>
+              <a:rPr lang="en-US" dirty="0" smtClean="0">
+                <a:sym typeface="Wingdings" panose="05000000000000000000" pitchFamily="2" charset="2"/>
+              </a:rPr>
+              <a:t>attack</a:t>
+            </a:r>
+          </a:p>
+          <a:p>
+            <a:pPr lvl="1"/>
+            <a:r>
+              <a:rPr lang="en-US" dirty="0" smtClean="0">
+                <a:sym typeface="Wingdings" panose="05000000000000000000" pitchFamily="2" charset="2"/>
+              </a:rPr>
+              <a:t>Don`t use MD5</a:t>
+            </a:r>
+          </a:p>
+          <a:p>
+            <a:pPr lvl="1"/>
+            <a:r>
+              <a:rPr lang="en-US" dirty="0" smtClean="0">
+                <a:sym typeface="Wingdings" panose="05000000000000000000" pitchFamily="2" charset="2"/>
+              </a:rPr>
+              <a:t>Use HMAC</a:t>
             </a:r>
             <a:endParaRPr lang="en-US" dirty="0"/>
           </a:p>
@@ -13854,6 +13982,87 @@
           </a:p>
         </p:txBody>
       </p:sp>
+      <p:pic>
+        <p:nvPicPr>
+          <p:cNvPr id="4" name="Content Placeholder 3"/>
+          <p:cNvPicPr>
+            <a:picLocks noGrp="1" noChangeAspect="1"/>
+          </p:cNvPicPr>
+          <p:nvPr>
+            <p:ph idx="1"/>
+          </p:nvPr>
+        </p:nvPicPr>
+        <p:blipFill>
+          <a:blip r:embed="rId2">
+            <a:extLst>
+              <a:ext uri="{28A0092B-C50C-407E-A947-70E740481C1C}">
+                <a14:useLocalDpi xmlns:a14="http://schemas.microsoft.com/office/drawing/2010/main" val="0"/>
+              </a:ext>
+            </a:extLst>
+          </a:blip>
+          <a:stretch>
+            <a:fillRect/>
+          </a:stretch>
+        </p:blipFill>
+        <p:spPr>
+          <a:xfrm>
+            <a:off x="2438400" y="2209800"/>
+            <a:ext cx="3810000" cy="1781175"/>
+          </a:xfrm>
+        </p:spPr>
+      </p:pic>
+    </p:spTree>
+    <p:extLst>
+      <p:ext uri="{BB962C8B-B14F-4D97-AF65-F5344CB8AC3E}">
+        <p14:creationId xmlns:p14="http://schemas.microsoft.com/office/powerpoint/2010/main" val="1643833654"/>
+      </p:ext>
+    </p:extLst>
+  </p:cSld>
+  <p:clrMapOvr>
+    <a:masterClrMapping/>
+  </p:clrMapOvr>
+</p:sld>
+</file>
+
+<file path=ppt/slides/slide21.xml><?xml version="1.0" encoding="utf-8"?>
+<p:sld xmlns:a="http://schemas.openxmlformats.org/drawingml/2006/main" xmlns:r="http://schemas.openxmlformats.org/officeDocument/2006/relationships" xmlns:p="http://schemas.openxmlformats.org/presentationml/2006/main">
+  <p:cSld>
+    <p:spTree>
+      <p:nvGrpSpPr>
+        <p:cNvPr id="1" name=""/>
+        <p:cNvGrpSpPr/>
+        <p:nvPr/>
+      </p:nvGrpSpPr>
+      <p:grpSpPr>
+        <a:xfrm>
+          <a:off x="0" y="0"/>
+          <a:ext cx="0" cy="0"/>
+          <a:chOff x="0" y="0"/>
+          <a:chExt cx="0" cy="0"/>
+        </a:xfrm>
+      </p:grpSpPr>
+      <p:sp>
+        <p:nvSpPr>
+          <p:cNvPr id="2" name="Title 1"/>
+          <p:cNvSpPr>
+            <a:spLocks noGrp="1"/>
+          </p:cNvSpPr>
+          <p:nvPr>
+            <p:ph type="title"/>
+          </p:nvPr>
+        </p:nvSpPr>
+        <p:spPr/>
+        <p:txBody>
+          <a:bodyPr/>
+          <a:lstStyle/>
+          <a:p>
+            <a:r>
+              <a:rPr lang="en-US" dirty="0"/>
+              <a:t>Length-Extension Attack</a:t>
+            </a:r>
+          </a:p>
+        </p:txBody>
+      </p:sp>
       <p:sp>
         <p:nvSpPr>
           <p:cNvPr id="3" name="Content Placeholder 2"/>
@@ -13881,7 +14090,7 @@
         </p:nvSpPr>
         <p:spPr>
           <a:xfrm>
-            <a:off x="1828800" y="1600200"/>
+            <a:off x="1828800" y="1752600"/>
             <a:ext cx="5181600" cy="990600"/>
           </a:xfrm>
           <a:prstGeom prst="rect">
@@ -14030,7 +14239,7 @@
 </p:sld>
 </file>
 
-<file path=ppt/slides/slide21.xml><?xml version="1.0" encoding="utf-8"?>
+<file path=ppt/slides/slide22.xml><?xml version="1.0" encoding="utf-8"?>
 <p:sld xmlns:a="http://schemas.openxmlformats.org/drawingml/2006/main" xmlns:r="http://schemas.openxmlformats.org/officeDocument/2006/relationships" xmlns:p="http://schemas.openxmlformats.org/presentationml/2006/main">
   <p:cSld>
     <p:spTree>
@@ -14125,7 +14334,7 @@
 </p:sld>
 </file>
 
-<file path=ppt/slides/slide22.xml><?xml version="1.0" encoding="utf-8"?>
+<file path=ppt/slides/slide23.xml><?xml version="1.0" encoding="utf-8"?>
 <p:sld xmlns:a="http://schemas.openxmlformats.org/drawingml/2006/main" xmlns:r="http://schemas.openxmlformats.org/officeDocument/2006/relationships" xmlns:p="http://schemas.openxmlformats.org/presentationml/2006/main">
   <p:cSld>
     <p:spTree>
